--- a/202012分享.pptx
+++ b/202012分享.pptx
@@ -22801,7 +22801,7 @@
         <p:spPr>
           <a:xfrm>
             <a:off x="4938667" y="2631055"/>
-            <a:ext cx="6460853" cy="2861310"/>
+            <a:ext cx="6460853" cy="2030095"/>
           </a:xfrm>
           <a:prstGeom prst="rect">
             <a:avLst/>
@@ -22833,7 +22833,7 @@
                 <a:latin typeface="微软雅黑" panose="020B0503020204020204" pitchFamily="34" charset="-122"/>
                 <a:ea typeface="微软雅黑" panose="020B0503020204020204" pitchFamily="34" charset="-122"/>
               </a:rPr>
-              <a:t>从定义和分类来看，它是一个开源的分布式数据库系统，是一个实现了MySQL协议的的Server，前端用户可以把它看作是一个数据库代理，用MySQL客户端工具和命令行访问，而其后端可以用MySQL原生（Native）协议与多个MySQL服务器通信，也可以用JDBC协议与大多数主流数据库服务器通信，其核心功能是分表分库，即将一个大表水平分割为N个小表，存储在后端MySQL服务器里或者其他数据库里。</a:t>
+              <a:t>从定义和分类来看，它是一个开源的分布式数据库系统，是一个实现了MySQL协议的的Server，其核心功能是分表分库，即将一个大表水平分割为N个小表，存储在后端MySQL服务器里或者其他数据库里。</a:t>
             </a:r>
             <a:endParaRPr lang="zh-CN" altLang="en-US" dirty="0">
               <a:latin typeface="微软雅黑" panose="020B0503020204020204" pitchFamily="34" charset="-122"/>
@@ -22967,10 +22967,10 @@
         </p:nvGrpSpPr>
         <p:grpSpPr>
           <a:xfrm>
-            <a:off x="7980394" y="834668"/>
-            <a:ext cx="3419127" cy="682215"/>
-            <a:chOff x="4411836" y="744496"/>
-            <a:chExt cx="3419127" cy="682215"/>
+            <a:off x="7980394" y="834594"/>
+            <a:ext cx="3419127" cy="682289"/>
+            <a:chOff x="4411836" y="744422"/>
+            <a:chExt cx="3419127" cy="682289"/>
           </a:xfrm>
         </p:grpSpPr>
         <p:sp>
@@ -23030,7 +23030,7 @@
           </p:nvSpPr>
           <p:spPr>
             <a:xfrm>
-              <a:off x="4462637" y="764107"/>
+              <a:off x="4462637" y="744422"/>
               <a:ext cx="3368326" cy="583565"/>
             </a:xfrm>
             <a:prstGeom prst="rect">
@@ -23062,13 +23062,6 @@
                 <a:t>  </a:t>
               </a:r>
               <a:r>
-                <a:rPr lang="zh-CN" altLang="en-US" sz="3200" dirty="0">
-                  <a:cs typeface="+mn-ea"/>
-                  <a:sym typeface="+mn-lt"/>
-                </a:rPr>
-                <a:t>什么是</a:t>
-              </a:r>
-              <a:r>
                 <a:rPr lang="en-US" altLang="zh-CN" sz="3200" dirty="0" smtClean="0">
                   <a:latin typeface="方正正黑简体" panose="02000000000000000000" pitchFamily="2" charset="-122"/>
                   <a:ea typeface="方正正黑简体" panose="02000000000000000000" pitchFamily="2" charset="-122"/>
@@ -23077,10 +23070,18 @@
                 </a:rPr>
                 <a:t>mycat</a:t>
               </a:r>
-              <a:endParaRPr lang="zh-CN" altLang="en-US" sz="3200" dirty="0">
-                <a:solidFill>
-                  <a:srgbClr val="446E7E"/>
-                </a:solidFill>
+              <a:r>
+                <a:rPr lang="zh-CN" altLang="en-US" sz="3200" dirty="0" smtClean="0">
+                  <a:latin typeface="方正正黑简体" panose="02000000000000000000" pitchFamily="2" charset="-122"/>
+                  <a:ea typeface="方正正黑简体" panose="02000000000000000000" pitchFamily="2" charset="-122"/>
+                  <a:cs typeface="+mn-ea"/>
+                  <a:sym typeface="+mn-lt"/>
+                </a:rPr>
+                <a:t>概念</a:t>
+              </a:r>
+              <a:endParaRPr lang="zh-CN" altLang="en-US" sz="3200" dirty="0" smtClean="0">
+                <a:latin typeface="方正正黑简体" panose="02000000000000000000" pitchFamily="2" charset="-122"/>
+                <a:ea typeface="方正正黑简体" panose="02000000000000000000" pitchFamily="2" charset="-122"/>
                 <a:cs typeface="+mn-ea"/>
                 <a:sym typeface="+mn-lt"/>
               </a:endParaRPr>

--- a/202012分享.pptx
+++ b/202012分享.pptx
@@ -9,8 +9,8 @@
     <p:sldId id="256" r:id="rId4"/>
     <p:sldId id="257" r:id="rId5"/>
     <p:sldId id="259" r:id="rId6"/>
-    <p:sldId id="262" r:id="rId7"/>
-    <p:sldId id="319" r:id="rId8"/>
+    <p:sldId id="319" r:id="rId7"/>
+    <p:sldId id="262" r:id="rId8"/>
     <p:sldId id="263" r:id="rId9"/>
     <p:sldId id="264" r:id="rId10"/>
     <p:sldId id="309" r:id="rId11"/>
@@ -25864,198 +25864,6 @@
                   <a:cs typeface="+mn-ea"/>
                   <a:sym typeface="+mn-lt"/>
                 </a:rPr>
-                <a:t> </a:t>
-              </a:r>
-              <a:r>
-                <a:rPr lang="en-US" altLang="zh-CN" sz="2800" dirty="0">
-                  <a:cs typeface="+mn-ea"/>
-                  <a:sym typeface="+mn-lt"/>
-                </a:rPr>
-                <a:t> </a:t>
-              </a:r>
-              <a:r>
-                <a:rPr sz="2800" dirty="0">
-                  <a:cs typeface="+mn-ea"/>
-                  <a:sym typeface="+mn-lt"/>
-                </a:rPr>
-                <a:t>Mycat关键特性</a:t>
-              </a:r>
-              <a:endParaRPr sz="2800" dirty="0">
-                <a:cs typeface="+mn-ea"/>
-                <a:sym typeface="+mn-lt"/>
-              </a:endParaRPr>
-            </a:p>
-          </p:txBody>
-        </p:sp>
-      </p:grpSp>
-      <p:pic>
-        <p:nvPicPr>
-          <p:cNvPr id="9" name="图片 8"/>
-          <p:cNvPicPr>
-            <a:picLocks noChangeAspect="1"/>
-          </p:cNvPicPr>
-          <p:nvPr/>
-        </p:nvPicPr>
-        <p:blipFill>
-          <a:blip r:embed="rId1"/>
-          <a:stretch>
-            <a:fillRect/>
-          </a:stretch>
-        </p:blipFill>
-        <p:spPr>
-          <a:xfrm>
-            <a:off x="1144905" y="1468755"/>
-            <a:ext cx="6835775" cy="4879340"/>
-          </a:xfrm>
-          <a:prstGeom prst="rect">
-            <a:avLst/>
-          </a:prstGeom>
-        </p:spPr>
-      </p:pic>
-    </p:spTree>
-  </p:cSld>
-  <p:clrMapOvr>
-    <a:masterClrMapping/>
-  </p:clrMapOvr>
-  <mc:AlternateContent xmlns:mc="http://schemas.openxmlformats.org/markup-compatibility/2006" xmlns:p159="http://schemas.microsoft.com/office/powerpoint/2015/09/main">
-    <mc:Choice Requires="p159">
-      <p:transition xmlns:p14="http://schemas.microsoft.com/office/powerpoint/2010/main" spd="slow" p14:dur="2000" advClick="0" advTm="0">
-        <p159:morph option="byObject"/>
-      </p:transition>
-    </mc:Choice>
-    <mc:Fallback>
-      <p:transition spd="slow" advClick="0" advTm="0">
-        <p:fade/>
-      </p:transition>
-    </mc:Fallback>
-  </mc:AlternateContent>
-  <p:timing>
-    <p:tnLst>
-      <p:par>
-        <p:cTn id="1" dur="indefinite" restart="never" nodeType="tmRoot"/>
-      </p:par>
-    </p:tnLst>
-  </p:timing>
-</p:sld>
-</file>
-
-<file path=ppt/slides/slide5.xml><?xml version="1.0" encoding="utf-8"?>
-<p:sld xmlns:a="http://schemas.openxmlformats.org/drawingml/2006/main" xmlns:r="http://schemas.openxmlformats.org/officeDocument/2006/relationships" xmlns:p="http://schemas.openxmlformats.org/presentationml/2006/main">
-  <p:cSld>
-    <p:spTree>
-      <p:nvGrpSpPr>
-        <p:cNvPr id="1" name=""/>
-        <p:cNvGrpSpPr/>
-        <p:nvPr/>
-      </p:nvGrpSpPr>
-      <p:grpSpPr>
-        <a:xfrm>
-          <a:off x="0" y="0"/>
-          <a:ext cx="0" cy="0"/>
-          <a:chOff x="0" y="0"/>
-          <a:chExt cx="0" cy="0"/>
-        </a:xfrm>
-      </p:grpSpPr>
-      <p:grpSp>
-        <p:nvGrpSpPr>
-          <p:cNvPr id="2" name="组合 1"/>
-          <p:cNvGrpSpPr/>
-          <p:nvPr/>
-        </p:nvGrpSpPr>
-        <p:grpSpPr>
-          <a:xfrm>
-            <a:off x="7980394" y="474540"/>
-            <a:ext cx="3419127" cy="682215"/>
-            <a:chOff x="4411836" y="744496"/>
-            <a:chExt cx="3419127" cy="682215"/>
-          </a:xfrm>
-        </p:grpSpPr>
-        <p:sp>
-          <p:nvSpPr>
-            <p:cNvPr id="3" name="星形: 七角 2"/>
-            <p:cNvSpPr/>
-            <p:nvPr/>
-          </p:nvSpPr>
-          <p:spPr>
-            <a:xfrm>
-              <a:off x="4411836" y="744496"/>
-              <a:ext cx="708803" cy="682215"/>
-            </a:xfrm>
-            <a:prstGeom prst="star7">
-              <a:avLst/>
-            </a:prstGeom>
-            <a:solidFill>
-              <a:srgbClr val="446E7E"/>
-            </a:solidFill>
-            <a:ln>
-              <a:noFill/>
-            </a:ln>
-          </p:spPr>
-          <p:style>
-            <a:lnRef idx="2">
-              <a:schemeClr val="accent1">
-                <a:shade val="50000"/>
-              </a:schemeClr>
-            </a:lnRef>
-            <a:fillRef idx="1">
-              <a:schemeClr val="accent1"/>
-            </a:fillRef>
-            <a:effectRef idx="0">
-              <a:schemeClr val="accent1"/>
-            </a:effectRef>
-            <a:fontRef idx="minor">
-              <a:schemeClr val="lt1"/>
-            </a:fontRef>
-          </p:style>
-          <p:txBody>
-            <a:bodyPr rtlCol="0" anchor="ctr"/>
-            <a:lstStyle/>
-            <a:p>
-              <a:pPr algn="ctr"/>
-              <a:endParaRPr lang="zh-CN" altLang="en-US">
-                <a:cs typeface="+mn-ea"/>
-                <a:sym typeface="+mn-lt"/>
-              </a:endParaRPr>
-            </a:p>
-          </p:txBody>
-        </p:sp>
-        <p:sp>
-          <p:nvSpPr>
-            <p:cNvPr id="4" name="文本框 3"/>
-            <p:cNvSpPr txBox="1"/>
-            <p:nvPr/>
-          </p:nvSpPr>
-          <p:spPr>
-            <a:xfrm>
-              <a:off x="4462637" y="764107"/>
-              <a:ext cx="3368326" cy="583565"/>
-            </a:xfrm>
-            <a:prstGeom prst="rect">
-              <a:avLst/>
-            </a:prstGeom>
-            <a:noFill/>
-          </p:spPr>
-          <p:txBody>
-            <a:bodyPr wrap="square" rtlCol="0">
-              <a:spAutoFit/>
-            </a:bodyPr>
-            <a:lstStyle/>
-            <a:p>
-              <a:r>
-                <a:rPr lang="en-US" altLang="zh-CN" sz="3200" dirty="0">
-                  <a:solidFill>
-                    <a:schemeClr val="bg1"/>
-                  </a:solidFill>
-                  <a:cs typeface="+mn-ea"/>
-                  <a:sym typeface="+mn-lt"/>
-                </a:rPr>
-                <a:t>01</a:t>
-              </a:r>
-              <a:r>
-                <a:rPr lang="en-US" altLang="zh-CN" sz="3200" dirty="0">
-                  <a:cs typeface="+mn-ea"/>
-                  <a:sym typeface="+mn-lt"/>
-                </a:rPr>
                 <a:t>  </a:t>
               </a:r>
               <a:r>
@@ -27379,6 +27187,198 @@
       <p:bldP spid="16" grpId="0" bldLvl="0" animBg="1"/>
       <p:bldP spid="17" grpId="0" bldLvl="0" animBg="1"/>
     </p:bldLst>
+  </p:timing>
+</p:sld>
+</file>
+
+<file path=ppt/slides/slide5.xml><?xml version="1.0" encoding="utf-8"?>
+<p:sld xmlns:a="http://schemas.openxmlformats.org/drawingml/2006/main" xmlns:r="http://schemas.openxmlformats.org/officeDocument/2006/relationships" xmlns:p="http://schemas.openxmlformats.org/presentationml/2006/main">
+  <p:cSld>
+    <p:spTree>
+      <p:nvGrpSpPr>
+        <p:cNvPr id="1" name=""/>
+        <p:cNvGrpSpPr/>
+        <p:nvPr/>
+      </p:nvGrpSpPr>
+      <p:grpSpPr>
+        <a:xfrm>
+          <a:off x="0" y="0"/>
+          <a:ext cx="0" cy="0"/>
+          <a:chOff x="0" y="0"/>
+          <a:chExt cx="0" cy="0"/>
+        </a:xfrm>
+      </p:grpSpPr>
+      <p:grpSp>
+        <p:nvGrpSpPr>
+          <p:cNvPr id="2" name="组合 1"/>
+          <p:cNvGrpSpPr/>
+          <p:nvPr/>
+        </p:nvGrpSpPr>
+        <p:grpSpPr>
+          <a:xfrm>
+            <a:off x="7980394" y="474540"/>
+            <a:ext cx="3419127" cy="682215"/>
+            <a:chOff x="4411836" y="744496"/>
+            <a:chExt cx="3419127" cy="682215"/>
+          </a:xfrm>
+        </p:grpSpPr>
+        <p:sp>
+          <p:nvSpPr>
+            <p:cNvPr id="3" name="星形: 七角 2"/>
+            <p:cNvSpPr/>
+            <p:nvPr/>
+          </p:nvSpPr>
+          <p:spPr>
+            <a:xfrm>
+              <a:off x="4411836" y="744496"/>
+              <a:ext cx="708803" cy="682215"/>
+            </a:xfrm>
+            <a:prstGeom prst="star7">
+              <a:avLst/>
+            </a:prstGeom>
+            <a:solidFill>
+              <a:srgbClr val="446E7E"/>
+            </a:solidFill>
+            <a:ln>
+              <a:noFill/>
+            </a:ln>
+          </p:spPr>
+          <p:style>
+            <a:lnRef idx="2">
+              <a:schemeClr val="accent1">
+                <a:shade val="50000"/>
+              </a:schemeClr>
+            </a:lnRef>
+            <a:fillRef idx="1">
+              <a:schemeClr val="accent1"/>
+            </a:fillRef>
+            <a:effectRef idx="0">
+              <a:schemeClr val="accent1"/>
+            </a:effectRef>
+            <a:fontRef idx="minor">
+              <a:schemeClr val="lt1"/>
+            </a:fontRef>
+          </p:style>
+          <p:txBody>
+            <a:bodyPr rtlCol="0" anchor="ctr"/>
+            <a:lstStyle/>
+            <a:p>
+              <a:pPr algn="ctr"/>
+              <a:endParaRPr lang="zh-CN" altLang="en-US">
+                <a:cs typeface="+mn-ea"/>
+                <a:sym typeface="+mn-lt"/>
+              </a:endParaRPr>
+            </a:p>
+          </p:txBody>
+        </p:sp>
+        <p:sp>
+          <p:nvSpPr>
+            <p:cNvPr id="4" name="文本框 3"/>
+            <p:cNvSpPr txBox="1"/>
+            <p:nvPr/>
+          </p:nvSpPr>
+          <p:spPr>
+            <a:xfrm>
+              <a:off x="4462637" y="764107"/>
+              <a:ext cx="3368326" cy="583565"/>
+            </a:xfrm>
+            <a:prstGeom prst="rect">
+              <a:avLst/>
+            </a:prstGeom>
+            <a:noFill/>
+          </p:spPr>
+          <p:txBody>
+            <a:bodyPr wrap="square" rtlCol="0">
+              <a:spAutoFit/>
+            </a:bodyPr>
+            <a:lstStyle/>
+            <a:p>
+              <a:r>
+                <a:rPr lang="en-US" altLang="zh-CN" sz="3200" dirty="0">
+                  <a:solidFill>
+                    <a:schemeClr val="bg1"/>
+                  </a:solidFill>
+                  <a:cs typeface="+mn-ea"/>
+                  <a:sym typeface="+mn-lt"/>
+                </a:rPr>
+                <a:t>01</a:t>
+              </a:r>
+              <a:r>
+                <a:rPr lang="en-US" altLang="zh-CN" sz="3200" dirty="0">
+                  <a:cs typeface="+mn-ea"/>
+                  <a:sym typeface="+mn-lt"/>
+                </a:rPr>
+                <a:t> </a:t>
+              </a:r>
+              <a:r>
+                <a:rPr lang="en-US" altLang="zh-CN" sz="2800" dirty="0">
+                  <a:cs typeface="+mn-ea"/>
+                  <a:sym typeface="+mn-lt"/>
+                </a:rPr>
+                <a:t> </a:t>
+              </a:r>
+              <a:r>
+                <a:rPr sz="2800" dirty="0">
+                  <a:cs typeface="+mn-ea"/>
+                  <a:sym typeface="+mn-lt"/>
+                </a:rPr>
+                <a:t>Mycat关键特性</a:t>
+              </a:r>
+              <a:endParaRPr sz="2800" dirty="0">
+                <a:cs typeface="+mn-ea"/>
+                <a:sym typeface="+mn-lt"/>
+              </a:endParaRPr>
+            </a:p>
+          </p:txBody>
+        </p:sp>
+      </p:grpSp>
+      <p:pic>
+        <p:nvPicPr>
+          <p:cNvPr id="9" name="图片 8"/>
+          <p:cNvPicPr>
+            <a:picLocks noChangeAspect="1"/>
+          </p:cNvPicPr>
+          <p:nvPr/>
+        </p:nvPicPr>
+        <p:blipFill>
+          <a:blip r:embed="rId1"/>
+          <a:stretch>
+            <a:fillRect/>
+          </a:stretch>
+        </p:blipFill>
+        <p:spPr>
+          <a:xfrm>
+            <a:off x="1144905" y="1468755"/>
+            <a:ext cx="6835775" cy="4879340"/>
+          </a:xfrm>
+          <a:prstGeom prst="rect">
+            <a:avLst/>
+          </a:prstGeom>
+        </p:spPr>
+      </p:pic>
+    </p:spTree>
+  </p:cSld>
+  <p:clrMapOvr>
+    <a:masterClrMapping/>
+  </p:clrMapOvr>
+  <mc:AlternateContent xmlns:mc="http://schemas.openxmlformats.org/markup-compatibility/2006" xmlns:p159="http://schemas.microsoft.com/office/powerpoint/2015/09/main">
+    <mc:Choice Requires="p159">
+      <p:transition xmlns:p14="http://schemas.microsoft.com/office/powerpoint/2010/main" spd="slow" p14:dur="2000" advClick="0" advTm="0">
+        <p159:morph option="byObject"/>
+      </p:transition>
+    </mc:Choice>
+    <mc:Fallback>
+      <p:transition spd="slow" advClick="0" advTm="0">
+        <p:fade/>
+      </p:transition>
+    </mc:Fallback>
+  </mc:AlternateContent>
+  <p:timing>
+    <p:tnLst>
+      <p:par>
+        <p:cTn id="1" dur="indefinite" restart="never" nodeType="tmRoot"/>
+      </p:par>
+    </p:tnLst>
   </p:timing>
 </p:sld>
 </file>
